--- a/powerpoints/04-search-party.pptx
+++ b/powerpoints/04-search-party.pptx
@@ -17503,7 +17503,9 @@
           <a:bodyPr/>
           <a:lstStyle/>
           <a:p>
-            <a:pPr lvl="1"/>
+            <a:pPr lvl="0" marL="0" indent="0">
+              <a:buNone/>
+            </a:pPr>
             <a:r>
               <a:rPr/>
               <a:t>Return to the algorithm; how does having the collection indexed change the steps?</a:t>
@@ -17573,10 +17575,12 @@
           <a:bodyPr/>
           <a:lstStyle/>
           <a:p>
-            <a:pPr lvl="1"/>
-            <a:r>
-              <a:rPr/>
-              <a:t>What’s different about web pages and buttons/beads?</a:t>
+            <a:pPr lvl="0" marL="0" indent="0">
+              <a:buNone/>
+            </a:pPr>
+            <a:r>
+              <a:rPr/>
+              <a:t>What’s different between our collections and web pages?</a:t>
             </a:r>
           </a:p>
         </p:txBody>
@@ -18663,7 +18667,9 @@
           <a:bodyPr/>
           <a:lstStyle/>
           <a:p>
-            <a:pPr lvl="1"/>
+            <a:pPr lvl="0" marL="0" indent="0">
+              <a:buNone/>
+            </a:pPr>
             <a:r>
               <a:rPr/>
               <a:t>Is there anything we could do in ADVANCE to make finding things faster?</a:t>

--- a/powerpoints/04-search-party.pptx
+++ b/powerpoints/04-search-party.pptx
@@ -18019,7 +18019,15 @@
             </a:pPr>
             <a:r>
               <a:rPr/>
-              <a:t>Searching</a:t>
+              <a:t>Search</a:t>
+            </a:r>
+            <a:r>
+              <a:rPr/>
+              <a:t> </a:t>
+            </a:r>
+            <a:r>
+              <a:rPr/>
+              <a:t>Party</a:t>
             </a:r>
           </a:p>
         </p:txBody>

--- a/powerpoints/04-search-party.pptx
+++ b/powerpoints/04-search-party.pptx
@@ -17658,7 +17658,7 @@
       </p:sp>
       <p:pic>
         <p:nvPicPr>
-          <p:cNvPr descr="http://img.youtube.com/vi/BNHR6IQJGZs/0.jpg" id="0" name="Picture 1">
+          <p:cNvPr descr="https://img.youtube.com/vi/BNHR6IQJGZs/0.jpg" id="0" name="Picture 1">
             <a:hlinkClick r:id="rId4"/>
           </p:cNvPr>
           <p:cNvPicPr>
